--- a/HTML/images/images.pptx
+++ b/HTML/images/images.pptx
@@ -8,6 +8,10 @@
     <p:sldId id="257" r:id="rId2"/>
     <p:sldId id="258" r:id="rId3"/>
     <p:sldId id="259" r:id="rId4"/>
+    <p:sldId id="260" r:id="rId5"/>
+    <p:sldId id="261" r:id="rId6"/>
+    <p:sldId id="262" r:id="rId7"/>
+    <p:sldId id="263" r:id="rId8"/>
   </p:sldIdLst>
   <p:sldSz cx="12192000" cy="6858000"/>
   <p:notesSz cx="6858000" cy="9144000"/>
@@ -272,7 +276,7 @@
           <a:p>
             <a:fld id="{5E2742A0-9B02-4E65-9D56-B5AFA763D91D}" type="datetimeFigureOut">
               <a:rPr lang="ko-KR" altLang="en-US" smtClean="0"/>
-              <a:t>2021-01-25</a:t>
+              <a:t>2021-01-27</a:t>
             </a:fld>
             <a:endParaRPr lang="ko-KR" altLang="en-US"/>
           </a:p>
@@ -470,7 +474,7 @@
           <a:p>
             <a:fld id="{5E2742A0-9B02-4E65-9D56-B5AFA763D91D}" type="datetimeFigureOut">
               <a:rPr lang="ko-KR" altLang="en-US" smtClean="0"/>
-              <a:t>2021-01-25</a:t>
+              <a:t>2021-01-27</a:t>
             </a:fld>
             <a:endParaRPr lang="ko-KR" altLang="en-US"/>
           </a:p>
@@ -678,7 +682,7 @@
           <a:p>
             <a:fld id="{5E2742A0-9B02-4E65-9D56-B5AFA763D91D}" type="datetimeFigureOut">
               <a:rPr lang="ko-KR" altLang="en-US" smtClean="0"/>
-              <a:t>2021-01-25</a:t>
+              <a:t>2021-01-27</a:t>
             </a:fld>
             <a:endParaRPr lang="ko-KR" altLang="en-US"/>
           </a:p>
@@ -983,7 +987,7 @@
           <a:p>
             <a:fld id="{5E2742A0-9B02-4E65-9D56-B5AFA763D91D}" type="datetimeFigureOut">
               <a:rPr lang="ko-KR" altLang="en-US" smtClean="0"/>
-              <a:t>2021-01-25</a:t>
+              <a:t>2021-01-27</a:t>
             </a:fld>
             <a:endParaRPr lang="ko-KR" altLang="en-US"/>
           </a:p>
@@ -1248,7 +1252,7 @@
           <a:p>
             <a:fld id="{5E2742A0-9B02-4E65-9D56-B5AFA763D91D}" type="datetimeFigureOut">
               <a:rPr lang="ko-KR" altLang="en-US" smtClean="0"/>
-              <a:t>2021-01-25</a:t>
+              <a:t>2021-01-27</a:t>
             </a:fld>
             <a:endParaRPr lang="ko-KR" altLang="en-US"/>
           </a:p>
@@ -1660,7 +1664,7 @@
           <a:p>
             <a:fld id="{5E2742A0-9B02-4E65-9D56-B5AFA763D91D}" type="datetimeFigureOut">
               <a:rPr lang="ko-KR" altLang="en-US" smtClean="0"/>
-              <a:t>2021-01-25</a:t>
+              <a:t>2021-01-27</a:t>
             </a:fld>
             <a:endParaRPr lang="ko-KR" altLang="en-US"/>
           </a:p>
@@ -1801,7 +1805,7 @@
           <a:p>
             <a:fld id="{5E2742A0-9B02-4E65-9D56-B5AFA763D91D}" type="datetimeFigureOut">
               <a:rPr lang="ko-KR" altLang="en-US" smtClean="0"/>
-              <a:t>2021-01-25</a:t>
+              <a:t>2021-01-27</a:t>
             </a:fld>
             <a:endParaRPr lang="ko-KR" altLang="en-US"/>
           </a:p>
@@ -1914,7 +1918,7 @@
           <a:p>
             <a:fld id="{5E2742A0-9B02-4E65-9D56-B5AFA763D91D}" type="datetimeFigureOut">
               <a:rPr lang="ko-KR" altLang="en-US" smtClean="0"/>
-              <a:t>2021-01-25</a:t>
+              <a:t>2021-01-27</a:t>
             </a:fld>
             <a:endParaRPr lang="ko-KR" altLang="en-US"/>
           </a:p>
@@ -2225,7 +2229,7 @@
           <a:p>
             <a:fld id="{5E2742A0-9B02-4E65-9D56-B5AFA763D91D}" type="datetimeFigureOut">
               <a:rPr lang="ko-KR" altLang="en-US" smtClean="0"/>
-              <a:t>2021-01-25</a:t>
+              <a:t>2021-01-27</a:t>
             </a:fld>
             <a:endParaRPr lang="ko-KR" altLang="en-US"/>
           </a:p>
@@ -2513,7 +2517,7 @@
           <a:p>
             <a:fld id="{5E2742A0-9B02-4E65-9D56-B5AFA763D91D}" type="datetimeFigureOut">
               <a:rPr lang="ko-KR" altLang="en-US" smtClean="0"/>
-              <a:t>2021-01-25</a:t>
+              <a:t>2021-01-27</a:t>
             </a:fld>
             <a:endParaRPr lang="ko-KR" altLang="en-US"/>
           </a:p>
@@ -2754,7 +2758,7 @@
           <a:p>
             <a:fld id="{5E2742A0-9B02-4E65-9D56-B5AFA763D91D}" type="datetimeFigureOut">
               <a:rPr lang="ko-KR" altLang="en-US" smtClean="0"/>
-              <a:t>2021-01-25</a:t>
+              <a:t>2021-01-27</a:t>
             </a:fld>
             <a:endParaRPr lang="ko-KR" altLang="en-US"/>
           </a:p>
@@ -3617,6 +3621,1466 @@
 </p:sld>
 </file>
 
+<file path=ppt/slides/slide4.xml><?xml version="1.0" encoding="utf-8"?>
+<p:sld xmlns:a="http://schemas.openxmlformats.org/drawingml/2006/main" xmlns:r="http://schemas.openxmlformats.org/officeDocument/2006/relationships" xmlns:p="http://schemas.openxmlformats.org/presentationml/2006/main">
+  <p:cSld>
+    <p:spTree>
+      <p:nvGrpSpPr>
+        <p:cNvPr id="1" name=""/>
+        <p:cNvGrpSpPr/>
+        <p:nvPr/>
+      </p:nvGrpSpPr>
+      <p:grpSpPr>
+        <a:xfrm>
+          <a:off x="0" y="0"/>
+          <a:ext cx="0" cy="0"/>
+          <a:chOff x="0" y="0"/>
+          <a:chExt cx="0" cy="0"/>
+        </a:xfrm>
+      </p:grpSpPr>
+      <p:sp>
+        <p:nvSpPr>
+          <p:cNvPr id="2" name="TextBox 1">
+            <a:extLst>
+              <a:ext uri="{FF2B5EF4-FFF2-40B4-BE49-F238E27FC236}">
+                <a16:creationId xmlns:a16="http://schemas.microsoft.com/office/drawing/2014/main" id="{2ED165AF-3B4A-437D-8D4B-AF88572D9DB4}"/>
+              </a:ext>
+            </a:extLst>
+          </p:cNvPr>
+          <p:cNvSpPr txBox="1"/>
+          <p:nvPr/>
+        </p:nvSpPr>
+        <p:spPr>
+          <a:xfrm>
+            <a:off x="2099255" y="1577662"/>
+            <a:ext cx="3284113" cy="2369880"/>
+          </a:xfrm>
+          <a:prstGeom prst="rect">
+            <a:avLst/>
+          </a:prstGeom>
+          <a:solidFill>
+            <a:schemeClr val="accent1">
+              <a:lumMod val="20000"/>
+              <a:lumOff val="80000"/>
+            </a:schemeClr>
+          </a:solidFill>
+        </p:spPr>
+        <p:txBody>
+          <a:bodyPr wrap="square" rtlCol="0">
+            <a:spAutoFit/>
+          </a:bodyPr>
+          <a:lstStyle/>
+          <a:p>
+            <a:pPr algn="ctr"/>
+            <a:r>
+              <a:rPr lang="en-US" altLang="ko-KR" b="1" u="sng" dirty="0">
+                <a:latin typeface="AppleSDGothicNeoM00" panose="02000503000000000000" pitchFamily="2" charset="-127"/>
+                <a:ea typeface="AppleSDGothicNeoM00" panose="02000503000000000000" pitchFamily="2" charset="-127"/>
+              </a:rPr>
+              <a:t>A</a:t>
+            </a:r>
+            <a:r>
+              <a:rPr lang="ko-KR" altLang="en-US" b="1" u="sng" dirty="0">
+                <a:latin typeface="AppleSDGothicNeoM00" panose="02000503000000000000" pitchFamily="2" charset="-127"/>
+                <a:ea typeface="AppleSDGothicNeoM00" panose="02000503000000000000" pitchFamily="2" charset="-127"/>
+              </a:rPr>
+              <a:t>페이지</a:t>
+            </a:r>
+            <a:endParaRPr lang="en-US" altLang="ko-KR" b="1" u="sng" dirty="0">
+              <a:latin typeface="AppleSDGothicNeoM00" panose="02000503000000000000" pitchFamily="2" charset="-127"/>
+              <a:ea typeface="AppleSDGothicNeoM00" panose="02000503000000000000" pitchFamily="2" charset="-127"/>
+            </a:endParaRPr>
+          </a:p>
+          <a:p>
+            <a:pPr algn="ctr"/>
+            <a:endParaRPr lang="en-US" altLang="ko-KR" dirty="0">
+              <a:latin typeface="AppleSDGothicNeoM00" panose="02000503000000000000" pitchFamily="2" charset="-127"/>
+              <a:ea typeface="AppleSDGothicNeoM00" panose="02000503000000000000" pitchFamily="2" charset="-127"/>
+            </a:endParaRPr>
+          </a:p>
+          <a:p>
+            <a:r>
+              <a:rPr lang="en-US" altLang="ko-KR" sz="1600" b="1" dirty="0">
+                <a:latin typeface="AppleSDGothicNeoL00" panose="02000503000000000000" pitchFamily="2" charset="-127"/>
+                <a:ea typeface="AppleSDGothicNeoL00" panose="02000503000000000000" pitchFamily="2" charset="-127"/>
+              </a:rPr>
+              <a:t>&lt;head&gt;</a:t>
+            </a:r>
+          </a:p>
+          <a:p>
+            <a:pPr lvl="1"/>
+            <a:r>
+              <a:rPr lang="en-US" altLang="ko-KR" sz="1600" b="1" dirty="0">
+                <a:latin typeface="AppleSDGothicNeoL00" panose="02000503000000000000" pitchFamily="2" charset="-127"/>
+                <a:ea typeface="AppleSDGothicNeoL00" panose="02000503000000000000" pitchFamily="2" charset="-127"/>
+              </a:rPr>
+              <a:t>…</a:t>
+            </a:r>
+          </a:p>
+          <a:p>
+            <a:pPr lvl="1"/>
+            <a:r>
+              <a:rPr lang="en-US" altLang="ko-KR" sz="1600" b="1" dirty="0">
+                <a:solidFill>
+                  <a:srgbClr val="FF0000"/>
+                </a:solidFill>
+                <a:latin typeface="AppleSDGothicNeoL00" panose="02000503000000000000" pitchFamily="2" charset="-127"/>
+                <a:ea typeface="AppleSDGothicNeoL00" panose="02000503000000000000" pitchFamily="2" charset="-127"/>
+              </a:rPr>
+              <a:t>&lt;title&gt;</a:t>
+            </a:r>
+            <a:r>
+              <a:rPr lang="en-US" altLang="ko-KR" sz="1600" dirty="0">
+                <a:latin typeface="AppleSDGothicNeoL00" panose="02000503000000000000" pitchFamily="2" charset="-127"/>
+                <a:ea typeface="AppleSDGothicNeoL00" panose="02000503000000000000" pitchFamily="2" charset="-127"/>
+              </a:rPr>
+              <a:t>HTML </a:t>
+            </a:r>
+            <a:r>
+              <a:rPr lang="ko-KR" altLang="en-US" sz="1600" dirty="0">
+                <a:latin typeface="AppleSDGothicNeoL00" panose="02000503000000000000" pitchFamily="2" charset="-127"/>
+                <a:ea typeface="AppleSDGothicNeoL00" panose="02000503000000000000" pitchFamily="2" charset="-127"/>
+              </a:rPr>
+              <a:t>강의</a:t>
+            </a:r>
+            <a:r>
+              <a:rPr lang="en-US" altLang="ko-KR" sz="1600" b="1" dirty="0">
+                <a:solidFill>
+                  <a:srgbClr val="FF0000"/>
+                </a:solidFill>
+                <a:latin typeface="AppleSDGothicNeoL00" panose="02000503000000000000" pitchFamily="2" charset="-127"/>
+                <a:ea typeface="AppleSDGothicNeoL00" panose="02000503000000000000" pitchFamily="2" charset="-127"/>
+              </a:rPr>
+              <a:t>&lt;/title&gt;</a:t>
+            </a:r>
+          </a:p>
+          <a:p>
+            <a:pPr lvl="1"/>
+            <a:r>
+              <a:rPr lang="en-US" altLang="ko-KR" sz="1600" b="1" dirty="0">
+                <a:latin typeface="AppleSDGothicNeoL00" panose="02000503000000000000" pitchFamily="2" charset="-127"/>
+                <a:ea typeface="AppleSDGothicNeoL00" panose="02000503000000000000" pitchFamily="2" charset="-127"/>
+              </a:rPr>
+              <a:t>…</a:t>
+            </a:r>
+          </a:p>
+          <a:p>
+            <a:r>
+              <a:rPr lang="en-US" altLang="ko-KR" sz="1600" b="1" dirty="0">
+                <a:latin typeface="AppleSDGothicNeoL00" panose="02000503000000000000" pitchFamily="2" charset="-127"/>
+                <a:ea typeface="AppleSDGothicNeoL00" panose="02000503000000000000" pitchFamily="2" charset="-127"/>
+              </a:rPr>
+              <a:t>&lt;/head&gt;</a:t>
+            </a:r>
+          </a:p>
+          <a:p>
+            <a:r>
+              <a:rPr lang="en-US" altLang="ko-KR" sz="1600" b="1" dirty="0">
+                <a:latin typeface="AppleSDGothicNeoL00" panose="02000503000000000000" pitchFamily="2" charset="-127"/>
+                <a:ea typeface="AppleSDGothicNeoL00" panose="02000503000000000000" pitchFamily="2" charset="-127"/>
+              </a:rPr>
+              <a:t>&lt;body&gt;</a:t>
+            </a:r>
+          </a:p>
+          <a:p>
+            <a:r>
+              <a:rPr lang="en-US" altLang="ko-KR" sz="1600" b="1" dirty="0">
+                <a:latin typeface="AppleSDGothicNeoL00" panose="02000503000000000000" pitchFamily="2" charset="-127"/>
+                <a:ea typeface="AppleSDGothicNeoL00" panose="02000503000000000000" pitchFamily="2" charset="-127"/>
+              </a:rPr>
+              <a:t>	…</a:t>
+            </a:r>
+          </a:p>
+        </p:txBody>
+      </p:sp>
+      <p:sp>
+        <p:nvSpPr>
+          <p:cNvPr id="3" name="TextBox 2">
+            <a:extLst>
+              <a:ext uri="{FF2B5EF4-FFF2-40B4-BE49-F238E27FC236}">
+                <a16:creationId xmlns:a16="http://schemas.microsoft.com/office/drawing/2014/main" id="{AE2CA7C2-9CF4-42A3-8CFF-F34C49FA4C01}"/>
+              </a:ext>
+            </a:extLst>
+          </p:cNvPr>
+          <p:cNvSpPr txBox="1"/>
+          <p:nvPr/>
+        </p:nvSpPr>
+        <p:spPr>
+          <a:xfrm>
+            <a:off x="5834128" y="1577662"/>
+            <a:ext cx="3284113" cy="2369880"/>
+          </a:xfrm>
+          <a:prstGeom prst="rect">
+            <a:avLst/>
+          </a:prstGeom>
+          <a:solidFill>
+            <a:schemeClr val="accent1">
+              <a:lumMod val="20000"/>
+              <a:lumOff val="80000"/>
+            </a:schemeClr>
+          </a:solidFill>
+        </p:spPr>
+        <p:txBody>
+          <a:bodyPr wrap="square" rtlCol="0">
+            <a:spAutoFit/>
+          </a:bodyPr>
+          <a:lstStyle/>
+          <a:p>
+            <a:pPr algn="ctr"/>
+            <a:r>
+              <a:rPr lang="en-US" altLang="ko-KR" b="1" u="sng" dirty="0">
+                <a:latin typeface="AppleSDGothicNeoM00" panose="02000503000000000000" pitchFamily="2" charset="-127"/>
+                <a:ea typeface="AppleSDGothicNeoM00" panose="02000503000000000000" pitchFamily="2" charset="-127"/>
+              </a:rPr>
+              <a:t>B</a:t>
+            </a:r>
+            <a:r>
+              <a:rPr lang="ko-KR" altLang="en-US" b="1" u="sng" dirty="0">
+                <a:latin typeface="AppleSDGothicNeoM00" panose="02000503000000000000" pitchFamily="2" charset="-127"/>
+                <a:ea typeface="AppleSDGothicNeoM00" panose="02000503000000000000" pitchFamily="2" charset="-127"/>
+              </a:rPr>
+              <a:t>페이지</a:t>
+            </a:r>
+            <a:endParaRPr lang="en-US" altLang="ko-KR" b="1" u="sng" dirty="0">
+              <a:latin typeface="AppleSDGothicNeoM00" panose="02000503000000000000" pitchFamily="2" charset="-127"/>
+              <a:ea typeface="AppleSDGothicNeoM00" panose="02000503000000000000" pitchFamily="2" charset="-127"/>
+            </a:endParaRPr>
+          </a:p>
+          <a:p>
+            <a:pPr algn="ctr"/>
+            <a:endParaRPr lang="en-US" altLang="ko-KR" dirty="0">
+              <a:latin typeface="AppleSDGothicNeoM00" panose="02000503000000000000" pitchFamily="2" charset="-127"/>
+              <a:ea typeface="AppleSDGothicNeoM00" panose="02000503000000000000" pitchFamily="2" charset="-127"/>
+            </a:endParaRPr>
+          </a:p>
+          <a:p>
+            <a:r>
+              <a:rPr lang="en-US" altLang="ko-KR" sz="1600" b="1" dirty="0">
+                <a:latin typeface="AppleSDGothicNeoL00" panose="02000503000000000000" pitchFamily="2" charset="-127"/>
+                <a:ea typeface="AppleSDGothicNeoL00" panose="02000503000000000000" pitchFamily="2" charset="-127"/>
+              </a:rPr>
+              <a:t>&lt;body&gt;</a:t>
+            </a:r>
+          </a:p>
+          <a:p>
+            <a:pPr lvl="1"/>
+            <a:r>
+              <a:rPr lang="en-US" altLang="ko-KR" sz="1600" b="1" dirty="0">
+                <a:latin typeface="AppleSDGothicNeoL00" panose="02000503000000000000" pitchFamily="2" charset="-127"/>
+                <a:ea typeface="AppleSDGothicNeoL00" panose="02000503000000000000" pitchFamily="2" charset="-127"/>
+              </a:rPr>
+              <a:t>…</a:t>
+            </a:r>
+          </a:p>
+          <a:p>
+            <a:pPr lvl="1"/>
+            <a:r>
+              <a:rPr lang="en-US" altLang="ko-KR" sz="1600" b="1" dirty="0">
+                <a:latin typeface="AppleSDGothicNeoL00" panose="02000503000000000000" pitchFamily="2" charset="-127"/>
+                <a:ea typeface="AppleSDGothicNeoL00" panose="02000503000000000000" pitchFamily="2" charset="-127"/>
+              </a:rPr>
+              <a:t>&lt;ul&gt;</a:t>
+            </a:r>
+          </a:p>
+          <a:p>
+            <a:pPr lvl="1"/>
+            <a:r>
+              <a:rPr lang="en-US" altLang="ko-KR" sz="1600" b="1" dirty="0">
+                <a:solidFill>
+                  <a:srgbClr val="FF0000"/>
+                </a:solidFill>
+                <a:latin typeface="AppleSDGothicNeoL00" panose="02000503000000000000" pitchFamily="2" charset="-127"/>
+                <a:ea typeface="AppleSDGothicNeoL00" panose="02000503000000000000" pitchFamily="2" charset="-127"/>
+              </a:rPr>
+              <a:t>	&lt;li&gt;</a:t>
+            </a:r>
+            <a:r>
+              <a:rPr lang="en-US" altLang="ko-KR" sz="1600" dirty="0">
+                <a:latin typeface="AppleSDGothicNeoL00" panose="02000503000000000000" pitchFamily="2" charset="-127"/>
+                <a:ea typeface="AppleSDGothicNeoL00" panose="02000503000000000000" pitchFamily="2" charset="-127"/>
+              </a:rPr>
+              <a:t>HTML </a:t>
+            </a:r>
+            <a:r>
+              <a:rPr lang="ko-KR" altLang="en-US" sz="1600" dirty="0">
+                <a:latin typeface="AppleSDGothicNeoL00" panose="02000503000000000000" pitchFamily="2" charset="-127"/>
+                <a:ea typeface="AppleSDGothicNeoL00" panose="02000503000000000000" pitchFamily="2" charset="-127"/>
+              </a:rPr>
+              <a:t>강의</a:t>
+            </a:r>
+            <a:r>
+              <a:rPr lang="en-US" altLang="ko-KR" sz="1600" b="1" dirty="0">
+                <a:solidFill>
+                  <a:srgbClr val="FF0000"/>
+                </a:solidFill>
+                <a:latin typeface="AppleSDGothicNeoL00" panose="02000503000000000000" pitchFamily="2" charset="-127"/>
+                <a:ea typeface="AppleSDGothicNeoL00" panose="02000503000000000000" pitchFamily="2" charset="-127"/>
+              </a:rPr>
+              <a:t>&lt;/li&gt;</a:t>
+            </a:r>
+          </a:p>
+          <a:p>
+            <a:pPr lvl="1"/>
+            <a:r>
+              <a:rPr lang="en-US" altLang="ko-KR" sz="1600" b="1" dirty="0">
+                <a:latin typeface="AppleSDGothicNeoL00" panose="02000503000000000000" pitchFamily="2" charset="-127"/>
+                <a:ea typeface="AppleSDGothicNeoL00" panose="02000503000000000000" pitchFamily="2" charset="-127"/>
+              </a:rPr>
+              <a:t>&lt;/ul&gt;</a:t>
+            </a:r>
+          </a:p>
+          <a:p>
+            <a:pPr lvl="1"/>
+            <a:r>
+              <a:rPr lang="en-US" altLang="ko-KR" sz="1600" b="1" dirty="0">
+                <a:latin typeface="AppleSDGothicNeoL00" panose="02000503000000000000" pitchFamily="2" charset="-127"/>
+                <a:ea typeface="AppleSDGothicNeoL00" panose="02000503000000000000" pitchFamily="2" charset="-127"/>
+              </a:rPr>
+              <a:t>…</a:t>
+            </a:r>
+          </a:p>
+          <a:p>
+            <a:r>
+              <a:rPr lang="en-US" altLang="ko-KR" sz="1600" b="1" dirty="0">
+                <a:latin typeface="AppleSDGothicNeoL00" panose="02000503000000000000" pitchFamily="2" charset="-127"/>
+                <a:ea typeface="AppleSDGothicNeoL00" panose="02000503000000000000" pitchFamily="2" charset="-127"/>
+              </a:rPr>
+              <a:t>&lt;/body&gt;</a:t>
+            </a:r>
+            <a:endParaRPr lang="ko-KR" altLang="en-US" sz="1600" b="1" dirty="0">
+              <a:latin typeface="AppleSDGothicNeoL00" panose="02000503000000000000" pitchFamily="2" charset="-127"/>
+              <a:ea typeface="AppleSDGothicNeoL00" panose="02000503000000000000" pitchFamily="2" charset="-127"/>
+            </a:endParaRPr>
+          </a:p>
+        </p:txBody>
+      </p:sp>
+      <p:sp>
+        <p:nvSpPr>
+          <p:cNvPr id="4" name="TextBox 3">
+            <a:extLst>
+              <a:ext uri="{FF2B5EF4-FFF2-40B4-BE49-F238E27FC236}">
+                <a16:creationId xmlns:a16="http://schemas.microsoft.com/office/drawing/2014/main" id="{FA32BF40-FAE8-4664-B788-FD295AC2CF8B}"/>
+              </a:ext>
+            </a:extLst>
+          </p:cNvPr>
+          <p:cNvSpPr txBox="1"/>
+          <p:nvPr/>
+        </p:nvSpPr>
+        <p:spPr>
+          <a:xfrm>
+            <a:off x="5457420" y="2408659"/>
+            <a:ext cx="302655" cy="707886"/>
+          </a:xfrm>
+          <a:prstGeom prst="rect">
+            <a:avLst/>
+          </a:prstGeom>
+          <a:noFill/>
+        </p:spPr>
+        <p:txBody>
+          <a:bodyPr wrap="square" rtlCol="0">
+            <a:spAutoFit/>
+          </a:bodyPr>
+          <a:lstStyle/>
+          <a:p>
+            <a:pPr algn="ctr"/>
+            <a:r>
+              <a:rPr lang="en-US" altLang="ko-KR" sz="4000" b="1" dirty="0">
+                <a:solidFill>
+                  <a:srgbClr val="FF0000"/>
+                </a:solidFill>
+              </a:rPr>
+              <a:t>&gt;</a:t>
+            </a:r>
+            <a:endParaRPr lang="ko-KR" altLang="en-US" sz="4000" b="1" dirty="0">
+              <a:solidFill>
+                <a:srgbClr val="FF0000"/>
+              </a:solidFill>
+            </a:endParaRPr>
+          </a:p>
+        </p:txBody>
+      </p:sp>
+      <p:sp>
+        <p:nvSpPr>
+          <p:cNvPr id="5" name="TextBox 4">
+            <a:extLst>
+              <a:ext uri="{FF2B5EF4-FFF2-40B4-BE49-F238E27FC236}">
+                <a16:creationId xmlns:a16="http://schemas.microsoft.com/office/drawing/2014/main" id="{865486D6-95A3-4B5A-9125-E750F91E4CE2}"/>
+              </a:ext>
+            </a:extLst>
+          </p:cNvPr>
+          <p:cNvSpPr txBox="1"/>
+          <p:nvPr/>
+        </p:nvSpPr>
+        <p:spPr>
+          <a:xfrm>
+            <a:off x="3374263" y="1088265"/>
+            <a:ext cx="734096" cy="369332"/>
+          </a:xfrm>
+          <a:prstGeom prst="rect">
+            <a:avLst/>
+          </a:prstGeom>
+          <a:noFill/>
+        </p:spPr>
+        <p:txBody>
+          <a:bodyPr wrap="square" rtlCol="0">
+            <a:spAutoFit/>
+          </a:bodyPr>
+          <a:lstStyle/>
+          <a:p>
+            <a:pPr algn="ctr"/>
+            <a:r>
+              <a:rPr lang="ko-KR" altLang="en-US" dirty="0">
+                <a:latin typeface="HyhwpEQ" panose="02030600000101010101" pitchFamily="18" charset="-127"/>
+                <a:ea typeface="HyhwpEQ" panose="02030600000101010101" pitchFamily="18" charset="-127"/>
+              </a:rPr>
+              <a:t>🙆‍♂️</a:t>
+            </a:r>
+          </a:p>
+        </p:txBody>
+      </p:sp>
+      <p:sp>
+        <p:nvSpPr>
+          <p:cNvPr id="6" name="TextBox 5">
+            <a:extLst>
+              <a:ext uri="{FF2B5EF4-FFF2-40B4-BE49-F238E27FC236}">
+                <a16:creationId xmlns:a16="http://schemas.microsoft.com/office/drawing/2014/main" id="{9CE95932-3CA6-4F41-B923-C253F78972FE}"/>
+              </a:ext>
+            </a:extLst>
+          </p:cNvPr>
+          <p:cNvSpPr txBox="1"/>
+          <p:nvPr/>
+        </p:nvSpPr>
+        <p:spPr>
+          <a:xfrm>
+            <a:off x="7109136" y="1131264"/>
+            <a:ext cx="734096" cy="369332"/>
+          </a:xfrm>
+          <a:prstGeom prst="rect">
+            <a:avLst/>
+          </a:prstGeom>
+          <a:noFill/>
+        </p:spPr>
+        <p:txBody>
+          <a:bodyPr wrap="square" rtlCol="0">
+            <a:spAutoFit/>
+          </a:bodyPr>
+          <a:lstStyle/>
+          <a:p>
+            <a:pPr algn="ctr"/>
+            <a:r>
+              <a:rPr lang="ko-KR" altLang="en-US" dirty="0">
+                <a:latin typeface="HyhwpEQ" panose="02030600000101010101" pitchFamily="18" charset="-127"/>
+                <a:ea typeface="HyhwpEQ" panose="02030600000101010101" pitchFamily="18" charset="-127"/>
+              </a:rPr>
+              <a:t>🙅‍♀️</a:t>
+            </a:r>
+          </a:p>
+        </p:txBody>
+      </p:sp>
+    </p:spTree>
+    <p:extLst>
+      <p:ext uri="{BB962C8B-B14F-4D97-AF65-F5344CB8AC3E}">
+        <p14:creationId xmlns:p14="http://schemas.microsoft.com/office/powerpoint/2010/main" val="146081080"/>
+      </p:ext>
+    </p:extLst>
+  </p:cSld>
+  <p:clrMapOvr>
+    <a:masterClrMapping/>
+  </p:clrMapOvr>
+</p:sld>
+</file>
+
+<file path=ppt/slides/slide5.xml><?xml version="1.0" encoding="utf-8"?>
+<p:sld xmlns:a="http://schemas.openxmlformats.org/drawingml/2006/main" xmlns:r="http://schemas.openxmlformats.org/officeDocument/2006/relationships" xmlns:p="http://schemas.openxmlformats.org/presentationml/2006/main">
+  <p:cSld>
+    <p:spTree>
+      <p:nvGrpSpPr>
+        <p:cNvPr id="1" name=""/>
+        <p:cNvGrpSpPr/>
+        <p:nvPr/>
+      </p:nvGrpSpPr>
+      <p:grpSpPr>
+        <a:xfrm>
+          <a:off x="0" y="0"/>
+          <a:ext cx="0" cy="0"/>
+          <a:chOff x="0" y="0"/>
+          <a:chExt cx="0" cy="0"/>
+        </a:xfrm>
+      </p:grpSpPr>
+      <p:pic>
+        <p:nvPicPr>
+          <p:cNvPr id="3" name="그림 2">
+            <a:extLst>
+              <a:ext uri="{FF2B5EF4-FFF2-40B4-BE49-F238E27FC236}">
+                <a16:creationId xmlns:a16="http://schemas.microsoft.com/office/drawing/2014/main" id="{55AC1D50-93D5-4264-B71E-3ABA8AD6C4DE}"/>
+              </a:ext>
+            </a:extLst>
+          </p:cNvPr>
+          <p:cNvPicPr>
+            <a:picLocks noChangeAspect="1"/>
+          </p:cNvPicPr>
+          <p:nvPr/>
+        </p:nvPicPr>
+        <p:blipFill>
+          <a:blip r:embed="rId2"/>
+          <a:stretch>
+            <a:fillRect/>
+          </a:stretch>
+        </p:blipFill>
+        <p:spPr>
+          <a:xfrm>
+            <a:off x="2090178" y="1371313"/>
+            <a:ext cx="8011643" cy="4115374"/>
+          </a:xfrm>
+          <a:prstGeom prst="rect">
+            <a:avLst/>
+          </a:prstGeom>
+        </p:spPr>
+      </p:pic>
+      <p:sp>
+        <p:nvSpPr>
+          <p:cNvPr id="4" name="직사각형 3">
+            <a:extLst>
+              <a:ext uri="{FF2B5EF4-FFF2-40B4-BE49-F238E27FC236}">
+                <a16:creationId xmlns:a16="http://schemas.microsoft.com/office/drawing/2014/main" id="{936E766C-5C58-4E67-923F-6039052F3529}"/>
+              </a:ext>
+            </a:extLst>
+          </p:cNvPr>
+          <p:cNvSpPr/>
+          <p:nvPr/>
+        </p:nvSpPr>
+        <p:spPr>
+          <a:xfrm>
+            <a:off x="3561008" y="2395469"/>
+            <a:ext cx="5769736" cy="399245"/>
+          </a:xfrm>
+          <a:prstGeom prst="rect">
+            <a:avLst/>
+          </a:prstGeom>
+          <a:noFill/>
+          <a:ln w="38100">
+            <a:solidFill>
+              <a:srgbClr val="FF0000"/>
+            </a:solidFill>
+          </a:ln>
+        </p:spPr>
+        <p:style>
+          <a:lnRef idx="2">
+            <a:schemeClr val="accent1">
+              <a:shade val="50000"/>
+            </a:schemeClr>
+          </a:lnRef>
+          <a:fillRef idx="1">
+            <a:schemeClr val="accent1"/>
+          </a:fillRef>
+          <a:effectRef idx="0">
+            <a:schemeClr val="accent1"/>
+          </a:effectRef>
+          <a:fontRef idx="minor">
+            <a:schemeClr val="lt1"/>
+          </a:fontRef>
+        </p:style>
+        <p:txBody>
+          <a:bodyPr rtlCol="0" anchor="ctr"/>
+          <a:lstStyle/>
+          <a:p>
+            <a:pPr algn="ctr"/>
+            <a:endParaRPr lang="ko-KR" altLang="en-US"/>
+          </a:p>
+        </p:txBody>
+      </p:sp>
+      <p:sp>
+        <p:nvSpPr>
+          <p:cNvPr id="5" name="직사각형 4">
+            <a:extLst>
+              <a:ext uri="{FF2B5EF4-FFF2-40B4-BE49-F238E27FC236}">
+                <a16:creationId xmlns:a16="http://schemas.microsoft.com/office/drawing/2014/main" id="{09A571A6-1323-49BC-93F5-9A1A4F668350}"/>
+              </a:ext>
+            </a:extLst>
+          </p:cNvPr>
+          <p:cNvSpPr/>
+          <p:nvPr/>
+        </p:nvSpPr>
+        <p:spPr>
+          <a:xfrm>
+            <a:off x="3561008" y="3992590"/>
+            <a:ext cx="5769736" cy="399245"/>
+          </a:xfrm>
+          <a:prstGeom prst="rect">
+            <a:avLst/>
+          </a:prstGeom>
+          <a:noFill/>
+          <a:ln w="38100">
+            <a:solidFill>
+              <a:srgbClr val="FF0000"/>
+            </a:solidFill>
+          </a:ln>
+        </p:spPr>
+        <p:style>
+          <a:lnRef idx="2">
+            <a:schemeClr val="accent1">
+              <a:shade val="50000"/>
+            </a:schemeClr>
+          </a:lnRef>
+          <a:fillRef idx="1">
+            <a:schemeClr val="accent1"/>
+          </a:fillRef>
+          <a:effectRef idx="0">
+            <a:schemeClr val="accent1"/>
+          </a:effectRef>
+          <a:fontRef idx="minor">
+            <a:schemeClr val="lt1"/>
+          </a:fontRef>
+        </p:style>
+        <p:txBody>
+          <a:bodyPr rtlCol="0" anchor="ctr"/>
+          <a:lstStyle/>
+          <a:p>
+            <a:pPr algn="ctr"/>
+            <a:endParaRPr lang="ko-KR" altLang="en-US"/>
+          </a:p>
+        </p:txBody>
+      </p:sp>
+      <p:sp>
+        <p:nvSpPr>
+          <p:cNvPr id="6" name="직사각형 5">
+            <a:extLst>
+              <a:ext uri="{FF2B5EF4-FFF2-40B4-BE49-F238E27FC236}">
+                <a16:creationId xmlns:a16="http://schemas.microsoft.com/office/drawing/2014/main" id="{A56525B1-C3CA-46EA-8A17-9CCB08EB565E}"/>
+              </a:ext>
+            </a:extLst>
+          </p:cNvPr>
+          <p:cNvSpPr/>
+          <p:nvPr/>
+        </p:nvSpPr>
+        <p:spPr>
+          <a:xfrm>
+            <a:off x="3561008" y="5164711"/>
+            <a:ext cx="5769736" cy="231538"/>
+          </a:xfrm>
+          <a:prstGeom prst="rect">
+            <a:avLst/>
+          </a:prstGeom>
+          <a:noFill/>
+          <a:ln w="38100">
+            <a:solidFill>
+              <a:srgbClr val="FF0000"/>
+            </a:solidFill>
+          </a:ln>
+        </p:spPr>
+        <p:style>
+          <a:lnRef idx="2">
+            <a:schemeClr val="accent1">
+              <a:shade val="50000"/>
+            </a:schemeClr>
+          </a:lnRef>
+          <a:fillRef idx="1">
+            <a:schemeClr val="accent1"/>
+          </a:fillRef>
+          <a:effectRef idx="0">
+            <a:schemeClr val="accent1"/>
+          </a:effectRef>
+          <a:fontRef idx="minor">
+            <a:schemeClr val="lt1"/>
+          </a:fontRef>
+        </p:style>
+        <p:txBody>
+          <a:bodyPr rtlCol="0" anchor="ctr"/>
+          <a:lstStyle/>
+          <a:p>
+            <a:pPr algn="ctr"/>
+            <a:endParaRPr lang="ko-KR" altLang="en-US"/>
+          </a:p>
+        </p:txBody>
+      </p:sp>
+    </p:spTree>
+    <p:extLst>
+      <p:ext uri="{BB962C8B-B14F-4D97-AF65-F5344CB8AC3E}">
+        <p14:creationId xmlns:p14="http://schemas.microsoft.com/office/powerpoint/2010/main" val="96480698"/>
+      </p:ext>
+    </p:extLst>
+  </p:cSld>
+  <p:clrMapOvr>
+    <a:masterClrMapping/>
+  </p:clrMapOvr>
+</p:sld>
+</file>
+
+<file path=ppt/slides/slide6.xml><?xml version="1.0" encoding="utf-8"?>
+<p:sld xmlns:a="http://schemas.openxmlformats.org/drawingml/2006/main" xmlns:r="http://schemas.openxmlformats.org/officeDocument/2006/relationships" xmlns:p="http://schemas.openxmlformats.org/presentationml/2006/main">
+  <p:cSld>
+    <p:spTree>
+      <p:nvGrpSpPr>
+        <p:cNvPr id="1" name=""/>
+        <p:cNvGrpSpPr/>
+        <p:nvPr/>
+      </p:nvGrpSpPr>
+      <p:grpSpPr>
+        <a:xfrm>
+          <a:off x="0" y="0"/>
+          <a:ext cx="0" cy="0"/>
+          <a:chOff x="0" y="0"/>
+          <a:chExt cx="0" cy="0"/>
+        </a:xfrm>
+      </p:grpSpPr>
+      <p:sp>
+        <p:nvSpPr>
+          <p:cNvPr id="2" name="TextBox 1">
+            <a:extLst>
+              <a:ext uri="{FF2B5EF4-FFF2-40B4-BE49-F238E27FC236}">
+                <a16:creationId xmlns:a16="http://schemas.microsoft.com/office/drawing/2014/main" id="{2ED165AF-3B4A-437D-8D4B-AF88572D9DB4}"/>
+              </a:ext>
+            </a:extLst>
+          </p:cNvPr>
+          <p:cNvSpPr txBox="1"/>
+          <p:nvPr/>
+        </p:nvSpPr>
+        <p:spPr>
+          <a:xfrm>
+            <a:off x="2099255" y="1577662"/>
+            <a:ext cx="3284113" cy="2369880"/>
+          </a:xfrm>
+          <a:prstGeom prst="rect">
+            <a:avLst/>
+          </a:prstGeom>
+          <a:solidFill>
+            <a:schemeClr val="accent1">
+              <a:lumMod val="20000"/>
+              <a:lumOff val="80000"/>
+            </a:schemeClr>
+          </a:solidFill>
+        </p:spPr>
+        <p:txBody>
+          <a:bodyPr wrap="square" rtlCol="0">
+            <a:spAutoFit/>
+          </a:bodyPr>
+          <a:lstStyle/>
+          <a:p>
+            <a:pPr algn="ctr"/>
+            <a:r>
+              <a:rPr lang="en-US" altLang="ko-KR" b="1" u="sng" dirty="0">
+                <a:latin typeface="AppleSDGothicNeoM00" panose="02000503000000000000" pitchFamily="2" charset="-127"/>
+                <a:ea typeface="AppleSDGothicNeoM00" panose="02000503000000000000" pitchFamily="2" charset="-127"/>
+              </a:rPr>
+              <a:t>first.html</a:t>
+            </a:r>
+          </a:p>
+          <a:p>
+            <a:pPr algn="ctr"/>
+            <a:endParaRPr lang="en-US" altLang="ko-KR" dirty="0">
+              <a:latin typeface="AppleSDGothicNeoM00" panose="02000503000000000000" pitchFamily="2" charset="-127"/>
+              <a:ea typeface="AppleSDGothicNeoM00" panose="02000503000000000000" pitchFamily="2" charset="-127"/>
+            </a:endParaRPr>
+          </a:p>
+          <a:p>
+            <a:r>
+              <a:rPr lang="en-US" altLang="ko-KR" sz="1600" b="1" dirty="0">
+                <a:latin typeface="AppleSDGothicNeoL00" panose="02000503000000000000" pitchFamily="2" charset="-127"/>
+                <a:ea typeface="AppleSDGothicNeoL00" panose="02000503000000000000" pitchFamily="2" charset="-127"/>
+              </a:rPr>
+              <a:t>&lt;head&gt;</a:t>
+            </a:r>
+          </a:p>
+          <a:p>
+            <a:pPr lvl="1"/>
+            <a:r>
+              <a:rPr lang="en-US" altLang="ko-KR" sz="1600" b="1" dirty="0">
+                <a:latin typeface="AppleSDGothicNeoL00" panose="02000503000000000000" pitchFamily="2" charset="-127"/>
+                <a:ea typeface="AppleSDGothicNeoL00" panose="02000503000000000000" pitchFamily="2" charset="-127"/>
+              </a:rPr>
+              <a:t>…</a:t>
+            </a:r>
+          </a:p>
+          <a:p>
+            <a:pPr lvl="1"/>
+            <a:r>
+              <a:rPr lang="en-US" altLang="ko-KR" sz="1600" b="1" dirty="0">
+                <a:solidFill>
+                  <a:srgbClr val="FF0000"/>
+                </a:solidFill>
+                <a:latin typeface="AppleSDGothicNeoL00" panose="02000503000000000000" pitchFamily="2" charset="-127"/>
+                <a:ea typeface="AppleSDGothicNeoL00" panose="02000503000000000000" pitchFamily="2" charset="-127"/>
+              </a:rPr>
+              <a:t>&lt;title&gt;</a:t>
+            </a:r>
+            <a:r>
+              <a:rPr lang="en-US" altLang="ko-KR" sz="1600" dirty="0">
+                <a:latin typeface="AppleSDGothicNeoL00" panose="02000503000000000000" pitchFamily="2" charset="-127"/>
+                <a:ea typeface="AppleSDGothicNeoL00" panose="02000503000000000000" pitchFamily="2" charset="-127"/>
+              </a:rPr>
+              <a:t>HTML </a:t>
+            </a:r>
+            <a:r>
+              <a:rPr lang="ko-KR" altLang="en-US" sz="1600" dirty="0">
+                <a:latin typeface="AppleSDGothicNeoL00" panose="02000503000000000000" pitchFamily="2" charset="-127"/>
+                <a:ea typeface="AppleSDGothicNeoL00" panose="02000503000000000000" pitchFamily="2" charset="-127"/>
+              </a:rPr>
+              <a:t>강의</a:t>
+            </a:r>
+            <a:r>
+              <a:rPr lang="en-US" altLang="ko-KR" sz="1600" b="1" dirty="0">
+                <a:solidFill>
+                  <a:srgbClr val="FF0000"/>
+                </a:solidFill>
+                <a:latin typeface="AppleSDGothicNeoL00" panose="02000503000000000000" pitchFamily="2" charset="-127"/>
+                <a:ea typeface="AppleSDGothicNeoL00" panose="02000503000000000000" pitchFamily="2" charset="-127"/>
+              </a:rPr>
+              <a:t>&lt;/title&gt;</a:t>
+            </a:r>
+          </a:p>
+          <a:p>
+            <a:pPr lvl="1"/>
+            <a:r>
+              <a:rPr lang="en-US" altLang="ko-KR" sz="1600" b="1" dirty="0">
+                <a:latin typeface="AppleSDGothicNeoL00" panose="02000503000000000000" pitchFamily="2" charset="-127"/>
+                <a:ea typeface="AppleSDGothicNeoL00" panose="02000503000000000000" pitchFamily="2" charset="-127"/>
+              </a:rPr>
+              <a:t>…</a:t>
+            </a:r>
+          </a:p>
+          <a:p>
+            <a:r>
+              <a:rPr lang="en-US" altLang="ko-KR" sz="1600" b="1" dirty="0">
+                <a:latin typeface="AppleSDGothicNeoL00" panose="02000503000000000000" pitchFamily="2" charset="-127"/>
+                <a:ea typeface="AppleSDGothicNeoL00" panose="02000503000000000000" pitchFamily="2" charset="-127"/>
+              </a:rPr>
+              <a:t>&lt;/head&gt;</a:t>
+            </a:r>
+          </a:p>
+          <a:p>
+            <a:r>
+              <a:rPr lang="en-US" altLang="ko-KR" sz="1600" b="1" dirty="0">
+                <a:latin typeface="AppleSDGothicNeoL00" panose="02000503000000000000" pitchFamily="2" charset="-127"/>
+                <a:ea typeface="AppleSDGothicNeoL00" panose="02000503000000000000" pitchFamily="2" charset="-127"/>
+              </a:rPr>
+              <a:t>&lt;body&gt;</a:t>
+            </a:r>
+          </a:p>
+          <a:p>
+            <a:r>
+              <a:rPr lang="en-US" altLang="ko-KR" sz="1600" b="1" dirty="0">
+                <a:latin typeface="AppleSDGothicNeoL00" panose="02000503000000000000" pitchFamily="2" charset="-127"/>
+                <a:ea typeface="AppleSDGothicNeoL00" panose="02000503000000000000" pitchFamily="2" charset="-127"/>
+              </a:rPr>
+              <a:t>	…</a:t>
+            </a:r>
+          </a:p>
+        </p:txBody>
+      </p:sp>
+      <p:sp>
+        <p:nvSpPr>
+          <p:cNvPr id="3" name="TextBox 2">
+            <a:extLst>
+              <a:ext uri="{FF2B5EF4-FFF2-40B4-BE49-F238E27FC236}">
+                <a16:creationId xmlns:a16="http://schemas.microsoft.com/office/drawing/2014/main" id="{AE2CA7C2-9CF4-42A3-8CFF-F34C49FA4C01}"/>
+              </a:ext>
+            </a:extLst>
+          </p:cNvPr>
+          <p:cNvSpPr txBox="1"/>
+          <p:nvPr/>
+        </p:nvSpPr>
+        <p:spPr>
+          <a:xfrm>
+            <a:off x="5834128" y="1577662"/>
+            <a:ext cx="5628069" cy="2431435"/>
+          </a:xfrm>
+          <a:prstGeom prst="rect">
+            <a:avLst/>
+          </a:prstGeom>
+          <a:solidFill>
+            <a:schemeClr val="accent1">
+              <a:lumMod val="20000"/>
+              <a:lumOff val="80000"/>
+            </a:schemeClr>
+          </a:solidFill>
+        </p:spPr>
+        <p:txBody>
+          <a:bodyPr wrap="square" rtlCol="0">
+            <a:spAutoFit/>
+          </a:bodyPr>
+          <a:lstStyle/>
+          <a:p>
+            <a:pPr algn="ctr"/>
+            <a:r>
+              <a:rPr lang="en-US" altLang="ko-KR" b="1" u="sng" dirty="0">
+                <a:solidFill>
+                  <a:schemeClr val="accent6">
+                    <a:lumMod val="75000"/>
+                  </a:schemeClr>
+                </a:solidFill>
+                <a:latin typeface="AppleSDGothicNeoM00" panose="02000503000000000000" pitchFamily="2" charset="-127"/>
+                <a:ea typeface="AppleSDGothicNeoM00" panose="02000503000000000000" pitchFamily="2" charset="-127"/>
+              </a:rPr>
+              <a:t>first_copy.html</a:t>
+            </a:r>
+          </a:p>
+          <a:p>
+            <a:pPr algn="ctr"/>
+            <a:endParaRPr lang="en-US" altLang="ko-KR" dirty="0">
+              <a:latin typeface="AppleSDGothicNeoM00" panose="02000503000000000000" pitchFamily="2" charset="-127"/>
+              <a:ea typeface="AppleSDGothicNeoM00" panose="02000503000000000000" pitchFamily="2" charset="-127"/>
+            </a:endParaRPr>
+          </a:p>
+          <a:p>
+            <a:pPr algn="ctr"/>
+            <a:endParaRPr lang="en-US" altLang="ko-KR" dirty="0">
+              <a:latin typeface="AppleSDGothicNeoM00" panose="02000503000000000000" pitchFamily="2" charset="-127"/>
+              <a:ea typeface="AppleSDGothicNeoM00" panose="02000503000000000000" pitchFamily="2" charset="-127"/>
+            </a:endParaRPr>
+          </a:p>
+          <a:p>
+            <a:pPr algn="ctr"/>
+            <a:endParaRPr lang="en-US" altLang="ko-KR" dirty="0">
+              <a:latin typeface="AppleSDGothicNeoM00" panose="02000503000000000000" pitchFamily="2" charset="-127"/>
+              <a:ea typeface="AppleSDGothicNeoM00" panose="02000503000000000000" pitchFamily="2" charset="-127"/>
+            </a:endParaRPr>
+          </a:p>
+          <a:p>
+            <a:pPr algn="ctr"/>
+            <a:r>
+              <a:rPr lang="ko-KR" altLang="en-US" sz="1600" dirty="0">
+                <a:latin typeface="AppleSDGothicNeoL00" panose="02000503000000000000" pitchFamily="2" charset="-127"/>
+                <a:ea typeface="AppleSDGothicNeoL00" panose="02000503000000000000" pitchFamily="2" charset="-127"/>
+              </a:rPr>
+              <a:t>접속 시 바로 </a:t>
+            </a:r>
+            <a:r>
+              <a:rPr lang="en-US" altLang="ko-KR" sz="1600" dirty="0">
+                <a:latin typeface="AppleSDGothicNeoL00" panose="02000503000000000000" pitchFamily="2" charset="-127"/>
+                <a:ea typeface="AppleSDGothicNeoL00" panose="02000503000000000000" pitchFamily="2" charset="-127"/>
+              </a:rPr>
+              <a:t>first.html</a:t>
+            </a:r>
+            <a:r>
+              <a:rPr lang="ko-KR" altLang="en-US" sz="1600" dirty="0">
+                <a:latin typeface="AppleSDGothicNeoL00" panose="02000503000000000000" pitchFamily="2" charset="-127"/>
+                <a:ea typeface="AppleSDGothicNeoL00" panose="02000503000000000000" pitchFamily="2" charset="-127"/>
+              </a:rPr>
+              <a:t>로 페이지가 이동함 </a:t>
+            </a:r>
+            <a:r>
+              <a:rPr lang="en-US" altLang="ko-KR" sz="1600" b="1" dirty="0">
+                <a:solidFill>
+                  <a:srgbClr val="FF0000"/>
+                </a:solidFill>
+                <a:latin typeface="AppleSDGothicNeoL00" panose="02000503000000000000" pitchFamily="2" charset="-127"/>
+                <a:ea typeface="AppleSDGothicNeoL00" panose="02000503000000000000" pitchFamily="2" charset="-127"/>
+              </a:rPr>
+              <a:t>(redirection)</a:t>
+            </a:r>
+          </a:p>
+          <a:p>
+            <a:endParaRPr lang="en-US" altLang="ko-KR" sz="1600" b="1" dirty="0">
+              <a:latin typeface="AppleSDGothicNeoL00" panose="02000503000000000000" pitchFamily="2" charset="-127"/>
+              <a:ea typeface="AppleSDGothicNeoL00" panose="02000503000000000000" pitchFamily="2" charset="-127"/>
+            </a:endParaRPr>
+          </a:p>
+          <a:p>
+            <a:endParaRPr lang="en-US" altLang="ko-KR" sz="1600" b="1" dirty="0">
+              <a:latin typeface="AppleSDGothicNeoL00" panose="02000503000000000000" pitchFamily="2" charset="-127"/>
+              <a:ea typeface="AppleSDGothicNeoL00" panose="02000503000000000000" pitchFamily="2" charset="-127"/>
+            </a:endParaRPr>
+          </a:p>
+          <a:p>
+            <a:endParaRPr lang="en-US" altLang="ko-KR" sz="1600" b="1" dirty="0">
+              <a:latin typeface="AppleSDGothicNeoL00" panose="02000503000000000000" pitchFamily="2" charset="-127"/>
+              <a:ea typeface="AppleSDGothicNeoL00" panose="02000503000000000000" pitchFamily="2" charset="-127"/>
+            </a:endParaRPr>
+          </a:p>
+          <a:p>
+            <a:endParaRPr lang="en-US" altLang="ko-KR" sz="1600" b="1" dirty="0">
+              <a:latin typeface="AppleSDGothicNeoL00" panose="02000503000000000000" pitchFamily="2" charset="-127"/>
+              <a:ea typeface="AppleSDGothicNeoL00" panose="02000503000000000000" pitchFamily="2" charset="-127"/>
+            </a:endParaRPr>
+          </a:p>
+        </p:txBody>
+      </p:sp>
+      <p:sp>
+        <p:nvSpPr>
+          <p:cNvPr id="4" name="TextBox 3">
+            <a:extLst>
+              <a:ext uri="{FF2B5EF4-FFF2-40B4-BE49-F238E27FC236}">
+                <a16:creationId xmlns:a16="http://schemas.microsoft.com/office/drawing/2014/main" id="{6F63346A-5299-451C-883D-9D5C90E3CF98}"/>
+              </a:ext>
+            </a:extLst>
+          </p:cNvPr>
+          <p:cNvSpPr txBox="1"/>
+          <p:nvPr/>
+        </p:nvSpPr>
+        <p:spPr>
+          <a:xfrm>
+            <a:off x="5457420" y="2408659"/>
+            <a:ext cx="302655" cy="707886"/>
+          </a:xfrm>
+          <a:prstGeom prst="rect">
+            <a:avLst/>
+          </a:prstGeom>
+          <a:noFill/>
+        </p:spPr>
+        <p:txBody>
+          <a:bodyPr wrap="square" rtlCol="0">
+            <a:spAutoFit/>
+          </a:bodyPr>
+          <a:lstStyle/>
+          <a:p>
+            <a:pPr algn="ctr"/>
+            <a:r>
+              <a:rPr lang="en-US" altLang="ko-KR" sz="4000" b="1" dirty="0">
+                <a:solidFill>
+                  <a:srgbClr val="FF0000"/>
+                </a:solidFill>
+              </a:rPr>
+              <a:t>=</a:t>
+            </a:r>
+            <a:endParaRPr lang="ko-KR" altLang="en-US" sz="4000" b="1" dirty="0">
+              <a:solidFill>
+                <a:srgbClr val="FF0000"/>
+              </a:solidFill>
+            </a:endParaRPr>
+          </a:p>
+        </p:txBody>
+      </p:sp>
+      <p:cxnSp>
+        <p:nvCxnSpPr>
+          <p:cNvPr id="6" name="연결선: 꺾임 5">
+            <a:extLst>
+              <a:ext uri="{FF2B5EF4-FFF2-40B4-BE49-F238E27FC236}">
+                <a16:creationId xmlns:a16="http://schemas.microsoft.com/office/drawing/2014/main" id="{D1D81818-002C-4CFD-9901-C0D28DE1DE93}"/>
+              </a:ext>
+            </a:extLst>
+          </p:cNvPr>
+          <p:cNvCxnSpPr>
+            <a:stCxn id="3" idx="0"/>
+            <a:endCxn id="2" idx="0"/>
+          </p:cNvCxnSpPr>
+          <p:nvPr/>
+        </p:nvCxnSpPr>
+        <p:spPr>
+          <a:xfrm rot="16200000" flipV="1">
+            <a:off x="6194738" y="-875764"/>
+            <a:ext cx="12700" cy="4906851"/>
+          </a:xfrm>
+          <a:prstGeom prst="bentConnector3">
+            <a:avLst>
+              <a:gd name="adj1" fmla="val 5349276"/>
+            </a:avLst>
+          </a:prstGeom>
+          <a:ln w="28575">
+            <a:solidFill>
+              <a:schemeClr val="accent6">
+                <a:lumMod val="75000"/>
+              </a:schemeClr>
+            </a:solidFill>
+            <a:tailEnd type="triangle"/>
+          </a:ln>
+        </p:spPr>
+        <p:style>
+          <a:lnRef idx="1">
+            <a:schemeClr val="accent1"/>
+          </a:lnRef>
+          <a:fillRef idx="0">
+            <a:schemeClr val="accent1"/>
+          </a:fillRef>
+          <a:effectRef idx="0">
+            <a:schemeClr val="accent1"/>
+          </a:effectRef>
+          <a:fontRef idx="minor">
+            <a:schemeClr val="tx1"/>
+          </a:fontRef>
+        </p:style>
+      </p:cxnSp>
+    </p:spTree>
+    <p:extLst>
+      <p:ext uri="{BB962C8B-B14F-4D97-AF65-F5344CB8AC3E}">
+        <p14:creationId xmlns:p14="http://schemas.microsoft.com/office/powerpoint/2010/main" val="1820985950"/>
+      </p:ext>
+    </p:extLst>
+  </p:cSld>
+  <p:clrMapOvr>
+    <a:masterClrMapping/>
+  </p:clrMapOvr>
+</p:sld>
+</file>
+
+<file path=ppt/slides/slide7.xml><?xml version="1.0" encoding="utf-8"?>
+<p:sld xmlns:a="http://schemas.openxmlformats.org/drawingml/2006/main" xmlns:r="http://schemas.openxmlformats.org/officeDocument/2006/relationships" xmlns:p="http://schemas.openxmlformats.org/presentationml/2006/main">
+  <p:cSld>
+    <p:spTree>
+      <p:nvGrpSpPr>
+        <p:cNvPr id="1" name=""/>
+        <p:cNvGrpSpPr/>
+        <p:nvPr/>
+      </p:nvGrpSpPr>
+      <p:grpSpPr>
+        <a:xfrm>
+          <a:off x="0" y="0"/>
+          <a:ext cx="0" cy="0"/>
+          <a:chOff x="0" y="0"/>
+          <a:chExt cx="0" cy="0"/>
+        </a:xfrm>
+      </p:grpSpPr>
+      <p:sp>
+        <p:nvSpPr>
+          <p:cNvPr id="2" name="TextBox 1">
+            <a:extLst>
+              <a:ext uri="{FF2B5EF4-FFF2-40B4-BE49-F238E27FC236}">
+                <a16:creationId xmlns:a16="http://schemas.microsoft.com/office/drawing/2014/main" id="{2ED165AF-3B4A-437D-8D4B-AF88572D9DB4}"/>
+              </a:ext>
+            </a:extLst>
+          </p:cNvPr>
+          <p:cNvSpPr txBox="1"/>
+          <p:nvPr/>
+        </p:nvSpPr>
+        <p:spPr>
+          <a:xfrm>
+            <a:off x="2099255" y="1577662"/>
+            <a:ext cx="3284113" cy="2369880"/>
+          </a:xfrm>
+          <a:prstGeom prst="rect">
+            <a:avLst/>
+          </a:prstGeom>
+          <a:solidFill>
+            <a:schemeClr val="accent1">
+              <a:lumMod val="20000"/>
+              <a:lumOff val="80000"/>
+            </a:schemeClr>
+          </a:solidFill>
+        </p:spPr>
+        <p:txBody>
+          <a:bodyPr wrap="square" rtlCol="0">
+            <a:spAutoFit/>
+          </a:bodyPr>
+          <a:lstStyle/>
+          <a:p>
+            <a:pPr algn="ctr"/>
+            <a:r>
+              <a:rPr lang="en-US" altLang="ko-KR" b="1" u="sng" dirty="0">
+                <a:latin typeface="AppleSDGothicNeoM00" panose="02000503000000000000" pitchFamily="2" charset="-127"/>
+                <a:ea typeface="AppleSDGothicNeoM00" panose="02000503000000000000" pitchFamily="2" charset="-127"/>
+              </a:rPr>
+              <a:t>first.html</a:t>
+            </a:r>
+          </a:p>
+          <a:p>
+            <a:pPr algn="ctr"/>
+            <a:endParaRPr lang="en-US" altLang="ko-KR" dirty="0">
+              <a:latin typeface="AppleSDGothicNeoM00" panose="02000503000000000000" pitchFamily="2" charset="-127"/>
+              <a:ea typeface="AppleSDGothicNeoM00" panose="02000503000000000000" pitchFamily="2" charset="-127"/>
+            </a:endParaRPr>
+          </a:p>
+          <a:p>
+            <a:r>
+              <a:rPr lang="en-US" altLang="ko-KR" sz="1600" b="1" dirty="0">
+                <a:latin typeface="AppleSDGothicNeoL00" panose="02000503000000000000" pitchFamily="2" charset="-127"/>
+                <a:ea typeface="AppleSDGothicNeoL00" panose="02000503000000000000" pitchFamily="2" charset="-127"/>
+              </a:rPr>
+              <a:t>&lt;head&gt;</a:t>
+            </a:r>
+          </a:p>
+          <a:p>
+            <a:pPr lvl="1"/>
+            <a:r>
+              <a:rPr lang="en-US" altLang="ko-KR" sz="1600" b="1" dirty="0">
+                <a:latin typeface="AppleSDGothicNeoL00" panose="02000503000000000000" pitchFamily="2" charset="-127"/>
+                <a:ea typeface="AppleSDGothicNeoL00" panose="02000503000000000000" pitchFamily="2" charset="-127"/>
+              </a:rPr>
+              <a:t>…</a:t>
+            </a:r>
+          </a:p>
+          <a:p>
+            <a:pPr lvl="1"/>
+            <a:r>
+              <a:rPr lang="en-US" altLang="ko-KR" sz="1600" b="1" dirty="0">
+                <a:solidFill>
+                  <a:srgbClr val="FF0000"/>
+                </a:solidFill>
+                <a:latin typeface="AppleSDGothicNeoL00" panose="02000503000000000000" pitchFamily="2" charset="-127"/>
+                <a:ea typeface="AppleSDGothicNeoL00" panose="02000503000000000000" pitchFamily="2" charset="-127"/>
+              </a:rPr>
+              <a:t>&lt;title&gt;</a:t>
+            </a:r>
+            <a:r>
+              <a:rPr lang="en-US" altLang="ko-KR" sz="1600" dirty="0">
+                <a:latin typeface="AppleSDGothicNeoL00" panose="02000503000000000000" pitchFamily="2" charset="-127"/>
+                <a:ea typeface="AppleSDGothicNeoL00" panose="02000503000000000000" pitchFamily="2" charset="-127"/>
+              </a:rPr>
+              <a:t>HTML </a:t>
+            </a:r>
+            <a:r>
+              <a:rPr lang="ko-KR" altLang="en-US" sz="1600" dirty="0">
+                <a:latin typeface="AppleSDGothicNeoL00" panose="02000503000000000000" pitchFamily="2" charset="-127"/>
+                <a:ea typeface="AppleSDGothicNeoL00" panose="02000503000000000000" pitchFamily="2" charset="-127"/>
+              </a:rPr>
+              <a:t>강의</a:t>
+            </a:r>
+            <a:r>
+              <a:rPr lang="en-US" altLang="ko-KR" sz="1600" b="1" dirty="0">
+                <a:solidFill>
+                  <a:srgbClr val="FF0000"/>
+                </a:solidFill>
+                <a:latin typeface="AppleSDGothicNeoL00" panose="02000503000000000000" pitchFamily="2" charset="-127"/>
+                <a:ea typeface="AppleSDGothicNeoL00" panose="02000503000000000000" pitchFamily="2" charset="-127"/>
+              </a:rPr>
+              <a:t>&lt;/title&gt;</a:t>
+            </a:r>
+          </a:p>
+          <a:p>
+            <a:pPr lvl="1"/>
+            <a:r>
+              <a:rPr lang="en-US" altLang="ko-KR" sz="1600" b="1" dirty="0">
+                <a:latin typeface="AppleSDGothicNeoL00" panose="02000503000000000000" pitchFamily="2" charset="-127"/>
+                <a:ea typeface="AppleSDGothicNeoL00" panose="02000503000000000000" pitchFamily="2" charset="-127"/>
+              </a:rPr>
+              <a:t>…</a:t>
+            </a:r>
+          </a:p>
+          <a:p>
+            <a:r>
+              <a:rPr lang="en-US" altLang="ko-KR" sz="1600" b="1" dirty="0">
+                <a:latin typeface="AppleSDGothicNeoL00" panose="02000503000000000000" pitchFamily="2" charset="-127"/>
+                <a:ea typeface="AppleSDGothicNeoL00" panose="02000503000000000000" pitchFamily="2" charset="-127"/>
+              </a:rPr>
+              <a:t>&lt;/head&gt;</a:t>
+            </a:r>
+          </a:p>
+          <a:p>
+            <a:r>
+              <a:rPr lang="en-US" altLang="ko-KR" sz="1600" b="1" dirty="0">
+                <a:latin typeface="AppleSDGothicNeoL00" panose="02000503000000000000" pitchFamily="2" charset="-127"/>
+                <a:ea typeface="AppleSDGothicNeoL00" panose="02000503000000000000" pitchFamily="2" charset="-127"/>
+              </a:rPr>
+              <a:t>&lt;body&gt;</a:t>
+            </a:r>
+          </a:p>
+          <a:p>
+            <a:r>
+              <a:rPr lang="en-US" altLang="ko-KR" sz="1600" b="1" dirty="0">
+                <a:latin typeface="AppleSDGothicNeoL00" panose="02000503000000000000" pitchFamily="2" charset="-127"/>
+                <a:ea typeface="AppleSDGothicNeoL00" panose="02000503000000000000" pitchFamily="2" charset="-127"/>
+              </a:rPr>
+              <a:t>	…</a:t>
+            </a:r>
+          </a:p>
+        </p:txBody>
+      </p:sp>
+      <p:sp>
+        <p:nvSpPr>
+          <p:cNvPr id="3" name="TextBox 2">
+            <a:extLst>
+              <a:ext uri="{FF2B5EF4-FFF2-40B4-BE49-F238E27FC236}">
+                <a16:creationId xmlns:a16="http://schemas.microsoft.com/office/drawing/2014/main" id="{AE2CA7C2-9CF4-42A3-8CFF-F34C49FA4C01}"/>
+              </a:ext>
+            </a:extLst>
+          </p:cNvPr>
+          <p:cNvSpPr txBox="1"/>
+          <p:nvPr/>
+        </p:nvSpPr>
+        <p:spPr>
+          <a:xfrm>
+            <a:off x="5834128" y="1577662"/>
+            <a:ext cx="5628069" cy="2369880"/>
+          </a:xfrm>
+          <a:prstGeom prst="rect">
+            <a:avLst/>
+          </a:prstGeom>
+          <a:solidFill>
+            <a:schemeClr val="accent1">
+              <a:lumMod val="20000"/>
+              <a:lumOff val="80000"/>
+            </a:schemeClr>
+          </a:solidFill>
+        </p:spPr>
+        <p:txBody>
+          <a:bodyPr wrap="square" rtlCol="0">
+            <a:spAutoFit/>
+          </a:bodyPr>
+          <a:lstStyle/>
+          <a:p>
+            <a:pPr algn="ctr"/>
+            <a:r>
+              <a:rPr lang="en-US" altLang="ko-KR" b="1" u="sng" dirty="0">
+                <a:latin typeface="AppleSDGothicNeoM00" panose="02000503000000000000" pitchFamily="2" charset="-127"/>
+                <a:ea typeface="AppleSDGothicNeoM00" panose="02000503000000000000" pitchFamily="2" charset="-127"/>
+              </a:rPr>
+              <a:t>first_copy.html</a:t>
+            </a:r>
+          </a:p>
+          <a:p>
+            <a:pPr algn="ctr"/>
+            <a:endParaRPr lang="en-US" altLang="ko-KR" dirty="0">
+              <a:latin typeface="AppleSDGothicNeoM00" panose="02000503000000000000" pitchFamily="2" charset="-127"/>
+              <a:ea typeface="AppleSDGothicNeoM00" panose="02000503000000000000" pitchFamily="2" charset="-127"/>
+            </a:endParaRPr>
+          </a:p>
+          <a:p>
+            <a:r>
+              <a:rPr lang="en-US" altLang="ko-KR" sz="1600" b="1" dirty="0">
+                <a:latin typeface="AppleSDGothicNeoL00" panose="02000503000000000000" pitchFamily="2" charset="-127"/>
+                <a:ea typeface="AppleSDGothicNeoL00" panose="02000503000000000000" pitchFamily="2" charset="-127"/>
+              </a:rPr>
+              <a:t>&lt;head&gt;</a:t>
+            </a:r>
+          </a:p>
+          <a:p>
+            <a:pPr lvl="1"/>
+            <a:r>
+              <a:rPr lang="en-US" altLang="ko-KR" sz="1600" b="1" dirty="0">
+                <a:latin typeface="AppleSDGothicNeoL00" panose="02000503000000000000" pitchFamily="2" charset="-127"/>
+                <a:ea typeface="AppleSDGothicNeoL00" panose="02000503000000000000" pitchFamily="2" charset="-127"/>
+              </a:rPr>
+              <a:t>…</a:t>
+            </a:r>
+          </a:p>
+          <a:p>
+            <a:pPr lvl="1"/>
+            <a:r>
+              <a:rPr lang="en-US" altLang="ko-KR" sz="1600" b="1" dirty="0">
+                <a:solidFill>
+                  <a:srgbClr val="FF0000"/>
+                </a:solidFill>
+                <a:latin typeface="AppleSDGothicNeoL00" panose="02000503000000000000" pitchFamily="2" charset="-127"/>
+                <a:ea typeface="AppleSDGothicNeoL00" panose="02000503000000000000" pitchFamily="2" charset="-127"/>
+              </a:rPr>
+              <a:t>&lt;link </a:t>
+            </a:r>
+            <a:r>
+              <a:rPr lang="en-US" altLang="ko-KR" sz="1600" b="1" dirty="0" err="1">
+                <a:solidFill>
+                  <a:srgbClr val="FF0000"/>
+                </a:solidFill>
+                <a:latin typeface="AppleSDGothicNeoL00" panose="02000503000000000000" pitchFamily="2" charset="-127"/>
+                <a:ea typeface="AppleSDGothicNeoL00" panose="02000503000000000000" pitchFamily="2" charset="-127"/>
+              </a:rPr>
+              <a:t>rel</a:t>
+            </a:r>
+            <a:r>
+              <a:rPr lang="en-US" altLang="ko-KR" sz="1600" b="1" dirty="0">
+                <a:solidFill>
+                  <a:srgbClr val="FF0000"/>
+                </a:solidFill>
+                <a:latin typeface="AppleSDGothicNeoL00" panose="02000503000000000000" pitchFamily="2" charset="-127"/>
+                <a:ea typeface="AppleSDGothicNeoL00" panose="02000503000000000000" pitchFamily="2" charset="-127"/>
+              </a:rPr>
+              <a:t>=“canonical” </a:t>
+            </a:r>
+            <a:r>
+              <a:rPr lang="en-US" altLang="ko-KR" sz="1600" b="1" dirty="0" err="1">
+                <a:solidFill>
+                  <a:srgbClr val="FF0000"/>
+                </a:solidFill>
+                <a:latin typeface="AppleSDGothicNeoL00" panose="02000503000000000000" pitchFamily="2" charset="-127"/>
+                <a:ea typeface="AppleSDGothicNeoL00" panose="02000503000000000000" pitchFamily="2" charset="-127"/>
+              </a:rPr>
+              <a:t>href</a:t>
+            </a:r>
+            <a:r>
+              <a:rPr lang="en-US" altLang="ko-KR" sz="1600" b="1" dirty="0">
+                <a:solidFill>
+                  <a:srgbClr val="FF0000"/>
+                </a:solidFill>
+                <a:latin typeface="AppleSDGothicNeoL00" panose="02000503000000000000" pitchFamily="2" charset="-127"/>
+                <a:ea typeface="AppleSDGothicNeoL00" panose="02000503000000000000" pitchFamily="2" charset="-127"/>
+              </a:rPr>
+              <a:t>=“first.html”/&gt;</a:t>
+            </a:r>
+          </a:p>
+          <a:p>
+            <a:pPr lvl="1"/>
+            <a:r>
+              <a:rPr lang="en-US" altLang="ko-KR" sz="1600" b="1" dirty="0">
+                <a:latin typeface="AppleSDGothicNeoL00" panose="02000503000000000000" pitchFamily="2" charset="-127"/>
+                <a:ea typeface="AppleSDGothicNeoL00" panose="02000503000000000000" pitchFamily="2" charset="-127"/>
+              </a:rPr>
+              <a:t>…</a:t>
+            </a:r>
+          </a:p>
+          <a:p>
+            <a:r>
+              <a:rPr lang="en-US" altLang="ko-KR" sz="1600" b="1" dirty="0">
+                <a:latin typeface="AppleSDGothicNeoL00" panose="02000503000000000000" pitchFamily="2" charset="-127"/>
+                <a:ea typeface="AppleSDGothicNeoL00" panose="02000503000000000000" pitchFamily="2" charset="-127"/>
+              </a:rPr>
+              <a:t>&lt;/head&gt;</a:t>
+            </a:r>
+          </a:p>
+          <a:p>
+            <a:r>
+              <a:rPr lang="en-US" altLang="ko-KR" sz="1600" b="1" dirty="0">
+                <a:latin typeface="AppleSDGothicNeoL00" panose="02000503000000000000" pitchFamily="2" charset="-127"/>
+                <a:ea typeface="AppleSDGothicNeoL00" panose="02000503000000000000" pitchFamily="2" charset="-127"/>
+              </a:rPr>
+              <a:t>&lt;body&gt;</a:t>
+            </a:r>
+          </a:p>
+          <a:p>
+            <a:r>
+              <a:rPr lang="en-US" altLang="ko-KR" sz="1600" b="1" dirty="0">
+                <a:latin typeface="AppleSDGothicNeoL00" panose="02000503000000000000" pitchFamily="2" charset="-127"/>
+                <a:ea typeface="AppleSDGothicNeoL00" panose="02000503000000000000" pitchFamily="2" charset="-127"/>
+              </a:rPr>
+              <a:t>	…</a:t>
+            </a:r>
+          </a:p>
+        </p:txBody>
+      </p:sp>
+      <p:sp>
+        <p:nvSpPr>
+          <p:cNvPr id="4" name="TextBox 3">
+            <a:extLst>
+              <a:ext uri="{FF2B5EF4-FFF2-40B4-BE49-F238E27FC236}">
+                <a16:creationId xmlns:a16="http://schemas.microsoft.com/office/drawing/2014/main" id="{6F63346A-5299-451C-883D-9D5C90E3CF98}"/>
+              </a:ext>
+            </a:extLst>
+          </p:cNvPr>
+          <p:cNvSpPr txBox="1"/>
+          <p:nvPr/>
+        </p:nvSpPr>
+        <p:spPr>
+          <a:xfrm>
+            <a:off x="5457420" y="2408659"/>
+            <a:ext cx="302655" cy="707886"/>
+          </a:xfrm>
+          <a:prstGeom prst="rect">
+            <a:avLst/>
+          </a:prstGeom>
+          <a:noFill/>
+        </p:spPr>
+        <p:txBody>
+          <a:bodyPr wrap="square" rtlCol="0">
+            <a:spAutoFit/>
+          </a:bodyPr>
+          <a:lstStyle/>
+          <a:p>
+            <a:pPr algn="ctr"/>
+            <a:r>
+              <a:rPr lang="en-US" altLang="ko-KR" sz="4000" b="1" dirty="0">
+                <a:solidFill>
+                  <a:srgbClr val="FF0000"/>
+                </a:solidFill>
+              </a:rPr>
+              <a:t>=</a:t>
+            </a:r>
+            <a:endParaRPr lang="ko-KR" altLang="en-US" sz="4000" b="1" dirty="0">
+              <a:solidFill>
+                <a:srgbClr val="FF0000"/>
+              </a:solidFill>
+            </a:endParaRPr>
+          </a:p>
+        </p:txBody>
+      </p:sp>
+    </p:spTree>
+    <p:extLst>
+      <p:ext uri="{BB962C8B-B14F-4D97-AF65-F5344CB8AC3E}">
+        <p14:creationId xmlns:p14="http://schemas.microsoft.com/office/powerpoint/2010/main" val="4234613710"/>
+      </p:ext>
+    </p:extLst>
+  </p:cSld>
+  <p:clrMapOvr>
+    <a:masterClrMapping/>
+  </p:clrMapOvr>
+</p:sld>
+</file>
+
 <file path=ppt/theme/theme1.xml><?xml version="1.0" encoding="utf-8"?>
 <a:theme xmlns:a="http://schemas.openxmlformats.org/drawingml/2006/main" name="Office 테마">
   <a:themeElements>

--- a/HTML/images/images.pptx
+++ b/HTML/images/images.pptx
@@ -12,6 +12,8 @@
     <p:sldId id="261" r:id="rId6"/>
     <p:sldId id="262" r:id="rId7"/>
     <p:sldId id="263" r:id="rId8"/>
+    <p:sldId id="264" r:id="rId9"/>
+    <p:sldId id="265" r:id="rId10"/>
   </p:sldIdLst>
   <p:sldSz cx="12192000" cy="6858000"/>
   <p:notesSz cx="6858000" cy="9144000"/>
@@ -276,7 +278,7 @@
           <a:p>
             <a:fld id="{5E2742A0-9B02-4E65-9D56-B5AFA763D91D}" type="datetimeFigureOut">
               <a:rPr lang="ko-KR" altLang="en-US" smtClean="0"/>
-              <a:t>2021-01-27</a:t>
+              <a:t>2021-02-02</a:t>
             </a:fld>
             <a:endParaRPr lang="ko-KR" altLang="en-US"/>
           </a:p>
@@ -474,7 +476,7 @@
           <a:p>
             <a:fld id="{5E2742A0-9B02-4E65-9D56-B5AFA763D91D}" type="datetimeFigureOut">
               <a:rPr lang="ko-KR" altLang="en-US" smtClean="0"/>
-              <a:t>2021-01-27</a:t>
+              <a:t>2021-02-02</a:t>
             </a:fld>
             <a:endParaRPr lang="ko-KR" altLang="en-US"/>
           </a:p>
@@ -682,7 +684,7 @@
           <a:p>
             <a:fld id="{5E2742A0-9B02-4E65-9D56-B5AFA763D91D}" type="datetimeFigureOut">
               <a:rPr lang="ko-KR" altLang="en-US" smtClean="0"/>
-              <a:t>2021-01-27</a:t>
+              <a:t>2021-02-02</a:t>
             </a:fld>
             <a:endParaRPr lang="ko-KR" altLang="en-US"/>
           </a:p>
@@ -987,7 +989,7 @@
           <a:p>
             <a:fld id="{5E2742A0-9B02-4E65-9D56-B5AFA763D91D}" type="datetimeFigureOut">
               <a:rPr lang="ko-KR" altLang="en-US" smtClean="0"/>
-              <a:t>2021-01-27</a:t>
+              <a:t>2021-02-02</a:t>
             </a:fld>
             <a:endParaRPr lang="ko-KR" altLang="en-US"/>
           </a:p>
@@ -1252,7 +1254,7 @@
           <a:p>
             <a:fld id="{5E2742A0-9B02-4E65-9D56-B5AFA763D91D}" type="datetimeFigureOut">
               <a:rPr lang="ko-KR" altLang="en-US" smtClean="0"/>
-              <a:t>2021-01-27</a:t>
+              <a:t>2021-02-02</a:t>
             </a:fld>
             <a:endParaRPr lang="ko-KR" altLang="en-US"/>
           </a:p>
@@ -1664,7 +1666,7 @@
           <a:p>
             <a:fld id="{5E2742A0-9B02-4E65-9D56-B5AFA763D91D}" type="datetimeFigureOut">
               <a:rPr lang="ko-KR" altLang="en-US" smtClean="0"/>
-              <a:t>2021-01-27</a:t>
+              <a:t>2021-02-02</a:t>
             </a:fld>
             <a:endParaRPr lang="ko-KR" altLang="en-US"/>
           </a:p>
@@ -1805,7 +1807,7 @@
           <a:p>
             <a:fld id="{5E2742A0-9B02-4E65-9D56-B5AFA763D91D}" type="datetimeFigureOut">
               <a:rPr lang="ko-KR" altLang="en-US" smtClean="0"/>
-              <a:t>2021-01-27</a:t>
+              <a:t>2021-02-02</a:t>
             </a:fld>
             <a:endParaRPr lang="ko-KR" altLang="en-US"/>
           </a:p>
@@ -1918,7 +1920,7 @@
           <a:p>
             <a:fld id="{5E2742A0-9B02-4E65-9D56-B5AFA763D91D}" type="datetimeFigureOut">
               <a:rPr lang="ko-KR" altLang="en-US" smtClean="0"/>
-              <a:t>2021-01-27</a:t>
+              <a:t>2021-02-02</a:t>
             </a:fld>
             <a:endParaRPr lang="ko-KR" altLang="en-US"/>
           </a:p>
@@ -2229,7 +2231,7 @@
           <a:p>
             <a:fld id="{5E2742A0-9B02-4E65-9D56-B5AFA763D91D}" type="datetimeFigureOut">
               <a:rPr lang="ko-KR" altLang="en-US" smtClean="0"/>
-              <a:t>2021-01-27</a:t>
+              <a:t>2021-02-02</a:t>
             </a:fld>
             <a:endParaRPr lang="ko-KR" altLang="en-US"/>
           </a:p>
@@ -2517,7 +2519,7 @@
           <a:p>
             <a:fld id="{5E2742A0-9B02-4E65-9D56-B5AFA763D91D}" type="datetimeFigureOut">
               <a:rPr lang="ko-KR" altLang="en-US" smtClean="0"/>
-              <a:t>2021-01-27</a:t>
+              <a:t>2021-02-02</a:t>
             </a:fld>
             <a:endParaRPr lang="ko-KR" altLang="en-US"/>
           </a:p>
@@ -2758,7 +2760,7 @@
           <a:p>
             <a:fld id="{5E2742A0-9B02-4E65-9D56-B5AFA763D91D}" type="datetimeFigureOut">
               <a:rPr lang="ko-KR" altLang="en-US" smtClean="0"/>
-              <a:t>2021-01-27</a:t>
+              <a:t>2021-02-02</a:t>
             </a:fld>
             <a:endParaRPr lang="ko-KR" altLang="en-US"/>
           </a:p>
@@ -5081,6 +5083,318 @@
 </p:sld>
 </file>
 
+<file path=ppt/slides/slide8.xml><?xml version="1.0" encoding="utf-8"?>
+<p:sld xmlns:a="http://schemas.openxmlformats.org/drawingml/2006/main" xmlns:r="http://schemas.openxmlformats.org/officeDocument/2006/relationships" xmlns:p="http://schemas.openxmlformats.org/presentationml/2006/main">
+  <p:cSld>
+    <p:spTree>
+      <p:nvGrpSpPr>
+        <p:cNvPr id="1" name=""/>
+        <p:cNvGrpSpPr/>
+        <p:nvPr/>
+      </p:nvGrpSpPr>
+      <p:grpSpPr>
+        <a:xfrm>
+          <a:off x="0" y="0"/>
+          <a:ext cx="0" cy="0"/>
+          <a:chOff x="0" y="0"/>
+          <a:chExt cx="0" cy="0"/>
+        </a:xfrm>
+      </p:grpSpPr>
+      <p:pic>
+        <p:nvPicPr>
+          <p:cNvPr id="3" name="그림 2">
+            <a:extLst>
+              <a:ext uri="{FF2B5EF4-FFF2-40B4-BE49-F238E27FC236}">
+                <a16:creationId xmlns:a16="http://schemas.microsoft.com/office/drawing/2014/main" id="{4ACBA815-2F93-4294-9DA1-E8297612F76F}"/>
+              </a:ext>
+            </a:extLst>
+          </p:cNvPr>
+          <p:cNvPicPr>
+            <a:picLocks noChangeAspect="1"/>
+          </p:cNvPicPr>
+          <p:nvPr/>
+        </p:nvPicPr>
+        <p:blipFill rotWithShape="1">
+          <a:blip r:embed="rId2"/>
+          <a:srcRect r="2602" b="32308"/>
+          <a:stretch/>
+        </p:blipFill>
+        <p:spPr>
+          <a:xfrm>
+            <a:off x="820193" y="2536381"/>
+            <a:ext cx="5347242" cy="2873819"/>
+          </a:xfrm>
+          <a:prstGeom prst="rect">
+            <a:avLst/>
+          </a:prstGeom>
+        </p:spPr>
+      </p:pic>
+      <p:pic>
+        <p:nvPicPr>
+          <p:cNvPr id="5" name="그림 4">
+            <a:extLst>
+              <a:ext uri="{FF2B5EF4-FFF2-40B4-BE49-F238E27FC236}">
+                <a16:creationId xmlns:a16="http://schemas.microsoft.com/office/drawing/2014/main" id="{F3B7DB38-0A6F-4060-A620-8B540BC4947B}"/>
+              </a:ext>
+            </a:extLst>
+          </p:cNvPr>
+          <p:cNvPicPr>
+            <a:picLocks noChangeAspect="1"/>
+          </p:cNvPicPr>
+          <p:nvPr/>
+        </p:nvPicPr>
+        <p:blipFill>
+          <a:blip r:embed="rId3"/>
+          <a:stretch>
+            <a:fillRect/>
+          </a:stretch>
+        </p:blipFill>
+        <p:spPr>
+          <a:xfrm>
+            <a:off x="6378526" y="3429000"/>
+            <a:ext cx="4639322" cy="1733792"/>
+          </a:xfrm>
+          <a:prstGeom prst="rect">
+            <a:avLst/>
+          </a:prstGeom>
+        </p:spPr>
+      </p:pic>
+      <p:sp>
+        <p:nvSpPr>
+          <p:cNvPr id="6" name="TextBox 5">
+            <a:extLst>
+              <a:ext uri="{FF2B5EF4-FFF2-40B4-BE49-F238E27FC236}">
+                <a16:creationId xmlns:a16="http://schemas.microsoft.com/office/drawing/2014/main" id="{BC78FA94-6608-4477-B2B1-1E31ED04BC9E}"/>
+              </a:ext>
+            </a:extLst>
+          </p:cNvPr>
+          <p:cNvSpPr txBox="1"/>
+          <p:nvPr/>
+        </p:nvSpPr>
+        <p:spPr>
+          <a:xfrm>
+            <a:off x="2077764" y="5667819"/>
+            <a:ext cx="2832101" cy="369332"/>
+          </a:xfrm>
+          <a:prstGeom prst="rect">
+            <a:avLst/>
+          </a:prstGeom>
+          <a:solidFill>
+            <a:schemeClr val="accent1">
+              <a:lumMod val="20000"/>
+              <a:lumOff val="80000"/>
+            </a:schemeClr>
+          </a:solidFill>
+        </p:spPr>
+        <p:txBody>
+          <a:bodyPr wrap="square" rtlCol="0">
+            <a:spAutoFit/>
+          </a:bodyPr>
+          <a:lstStyle/>
+          <a:p>
+            <a:pPr algn="ctr"/>
+            <a:r>
+              <a:rPr lang="ko-KR" altLang="en-US" dirty="0">
+                <a:latin typeface="AppleSDGothicNeoB00" panose="02000503000000000000" pitchFamily="2" charset="-127"/>
+                <a:ea typeface="AppleSDGothicNeoB00" panose="02000503000000000000" pitchFamily="2" charset="-127"/>
+              </a:rPr>
+              <a:t>기계가 보는 </a:t>
+            </a:r>
+            <a:r>
+              <a:rPr lang="ko-KR" altLang="en-US" dirty="0" err="1">
+                <a:latin typeface="AppleSDGothicNeoB00" panose="02000503000000000000" pitchFamily="2" charset="-127"/>
+                <a:ea typeface="AppleSDGothicNeoB00" panose="02000503000000000000" pitchFamily="2" charset="-127"/>
+              </a:rPr>
+              <a:t>사이트맵</a:t>
+            </a:r>
+            <a:endParaRPr lang="ko-KR" altLang="en-US" dirty="0">
+              <a:latin typeface="AppleSDGothicNeoB00" panose="02000503000000000000" pitchFamily="2" charset="-127"/>
+              <a:ea typeface="AppleSDGothicNeoB00" panose="02000503000000000000" pitchFamily="2" charset="-127"/>
+            </a:endParaRPr>
+          </a:p>
+        </p:txBody>
+      </p:sp>
+      <p:sp>
+        <p:nvSpPr>
+          <p:cNvPr id="7" name="TextBox 6">
+            <a:extLst>
+              <a:ext uri="{FF2B5EF4-FFF2-40B4-BE49-F238E27FC236}">
+                <a16:creationId xmlns:a16="http://schemas.microsoft.com/office/drawing/2014/main" id="{486038E1-5F30-4AA2-97F7-A98727157009}"/>
+              </a:ext>
+            </a:extLst>
+          </p:cNvPr>
+          <p:cNvSpPr txBox="1"/>
+          <p:nvPr/>
+        </p:nvSpPr>
+        <p:spPr>
+          <a:xfrm>
+            <a:off x="7282137" y="5667819"/>
+            <a:ext cx="2832101" cy="369332"/>
+          </a:xfrm>
+          <a:prstGeom prst="rect">
+            <a:avLst/>
+          </a:prstGeom>
+          <a:solidFill>
+            <a:schemeClr val="accent1">
+              <a:lumMod val="20000"/>
+              <a:lumOff val="80000"/>
+            </a:schemeClr>
+          </a:solidFill>
+        </p:spPr>
+        <p:txBody>
+          <a:bodyPr wrap="square" rtlCol="0">
+            <a:spAutoFit/>
+          </a:bodyPr>
+          <a:lstStyle/>
+          <a:p>
+            <a:pPr algn="ctr"/>
+            <a:r>
+              <a:rPr lang="ko-KR" altLang="en-US" dirty="0">
+                <a:latin typeface="AppleSDGothicNeoB00" panose="02000503000000000000" pitchFamily="2" charset="-127"/>
+                <a:ea typeface="AppleSDGothicNeoB00" panose="02000503000000000000" pitchFamily="2" charset="-127"/>
+              </a:rPr>
+              <a:t>사람이 보는 </a:t>
+            </a:r>
+            <a:r>
+              <a:rPr lang="ko-KR" altLang="en-US" dirty="0" err="1">
+                <a:latin typeface="AppleSDGothicNeoB00" panose="02000503000000000000" pitchFamily="2" charset="-127"/>
+                <a:ea typeface="AppleSDGothicNeoB00" panose="02000503000000000000" pitchFamily="2" charset="-127"/>
+              </a:rPr>
+              <a:t>사이트맵</a:t>
+            </a:r>
+            <a:endParaRPr lang="ko-KR" altLang="en-US" dirty="0">
+              <a:latin typeface="AppleSDGothicNeoB00" panose="02000503000000000000" pitchFamily="2" charset="-127"/>
+              <a:ea typeface="AppleSDGothicNeoB00" panose="02000503000000000000" pitchFamily="2" charset="-127"/>
+            </a:endParaRPr>
+          </a:p>
+        </p:txBody>
+      </p:sp>
+    </p:spTree>
+    <p:extLst>
+      <p:ext uri="{BB962C8B-B14F-4D97-AF65-F5344CB8AC3E}">
+        <p14:creationId xmlns:p14="http://schemas.microsoft.com/office/powerpoint/2010/main" val="160389266"/>
+      </p:ext>
+    </p:extLst>
+  </p:cSld>
+  <p:clrMapOvr>
+    <a:masterClrMapping/>
+  </p:clrMapOvr>
+</p:sld>
+</file>
+
+<file path=ppt/slides/slide9.xml><?xml version="1.0" encoding="utf-8"?>
+<p:sld xmlns:a="http://schemas.openxmlformats.org/drawingml/2006/main" xmlns:r="http://schemas.openxmlformats.org/officeDocument/2006/relationships" xmlns:p="http://schemas.openxmlformats.org/presentationml/2006/main">
+  <p:cSld>
+    <p:spTree>
+      <p:nvGrpSpPr>
+        <p:cNvPr id="1" name=""/>
+        <p:cNvGrpSpPr/>
+        <p:nvPr/>
+      </p:nvGrpSpPr>
+      <p:grpSpPr>
+        <a:xfrm>
+          <a:off x="0" y="0"/>
+          <a:ext cx="0" cy="0"/>
+          <a:chOff x="0" y="0"/>
+          <a:chExt cx="0" cy="0"/>
+        </a:xfrm>
+      </p:grpSpPr>
+      <p:pic>
+        <p:nvPicPr>
+          <p:cNvPr id="3" name="그림 2">
+            <a:extLst>
+              <a:ext uri="{FF2B5EF4-FFF2-40B4-BE49-F238E27FC236}">
+                <a16:creationId xmlns:a16="http://schemas.microsoft.com/office/drawing/2014/main" id="{EA005FAF-3CE4-4C00-AECF-646000298654}"/>
+              </a:ext>
+            </a:extLst>
+          </p:cNvPr>
+          <p:cNvPicPr>
+            <a:picLocks noChangeAspect="1"/>
+          </p:cNvPicPr>
+          <p:nvPr/>
+        </p:nvPicPr>
+        <p:blipFill>
+          <a:blip r:embed="rId2"/>
+          <a:stretch>
+            <a:fillRect/>
+          </a:stretch>
+        </p:blipFill>
+        <p:spPr>
+          <a:xfrm>
+            <a:off x="4195497" y="2362051"/>
+            <a:ext cx="3801005" cy="2133898"/>
+          </a:xfrm>
+          <a:prstGeom prst="rect">
+            <a:avLst/>
+          </a:prstGeom>
+        </p:spPr>
+      </p:pic>
+      <p:sp>
+        <p:nvSpPr>
+          <p:cNvPr id="4" name="직사각형 3">
+            <a:extLst>
+              <a:ext uri="{FF2B5EF4-FFF2-40B4-BE49-F238E27FC236}">
+                <a16:creationId xmlns:a16="http://schemas.microsoft.com/office/drawing/2014/main" id="{EF07BECB-FFCC-466C-B194-C1DD187BE48D}"/>
+              </a:ext>
+            </a:extLst>
+          </p:cNvPr>
+          <p:cNvSpPr/>
+          <p:nvPr/>
+        </p:nvSpPr>
+        <p:spPr>
+          <a:xfrm>
+            <a:off x="4195496" y="3911600"/>
+            <a:ext cx="3801004" cy="495300"/>
+          </a:xfrm>
+          <a:prstGeom prst="rect">
+            <a:avLst/>
+          </a:prstGeom>
+          <a:noFill/>
+          <a:ln w="38100">
+            <a:solidFill>
+              <a:srgbClr val="FF0000"/>
+            </a:solidFill>
+            <a:prstDash val="sysDot"/>
+          </a:ln>
+        </p:spPr>
+        <p:style>
+          <a:lnRef idx="2">
+            <a:schemeClr val="accent1">
+              <a:shade val="50000"/>
+            </a:schemeClr>
+          </a:lnRef>
+          <a:fillRef idx="1">
+            <a:schemeClr val="accent1"/>
+          </a:fillRef>
+          <a:effectRef idx="0">
+            <a:schemeClr val="accent1"/>
+          </a:effectRef>
+          <a:fontRef idx="minor">
+            <a:schemeClr val="lt1"/>
+          </a:fontRef>
+        </p:style>
+        <p:txBody>
+          <a:bodyPr rtlCol="0" anchor="ctr"/>
+          <a:lstStyle/>
+          <a:p>
+            <a:pPr algn="ctr"/>
+            <a:endParaRPr lang="ko-KR" altLang="en-US"/>
+          </a:p>
+        </p:txBody>
+      </p:sp>
+    </p:spTree>
+    <p:extLst>
+      <p:ext uri="{BB962C8B-B14F-4D97-AF65-F5344CB8AC3E}">
+        <p14:creationId xmlns:p14="http://schemas.microsoft.com/office/powerpoint/2010/main" val="1390816722"/>
+      </p:ext>
+    </p:extLst>
+  </p:cSld>
+  <p:clrMapOvr>
+    <a:masterClrMapping/>
+  </p:clrMapOvr>
+</p:sld>
+</file>
+
 <file path=ppt/theme/theme1.xml><?xml version="1.0" encoding="utf-8"?>
 <a:theme xmlns:a="http://schemas.openxmlformats.org/drawingml/2006/main" name="Office 테마">
   <a:themeElements>
